--- a/Coding102/UoS IOC Coding 102 Slides.pptx
+++ b/Coding102/UoS IOC Coding 102 Slides.pptx
@@ -16457,6 +16457,36 @@
               </a14:hiddenFill>
             </a:ext>
           </a:extLst>
+        </p:spPr>
+      </p:pic>
+      <p:pic>
+        <p:nvPicPr>
+          <p:cNvPr id="3" name="Picture 2">
+            <a:extLst>
+              <a:ext uri="{FF2B5EF4-FFF2-40B4-BE49-F238E27FC236}">
+                <a16:creationId xmlns:a16="http://schemas.microsoft.com/office/drawing/2014/main" id="{FD148CF3-8ECF-3E47-BA02-125C72788B52}"/>
+              </a:ext>
+            </a:extLst>
+          </p:cNvPr>
+          <p:cNvPicPr>
+            <a:picLocks noChangeAspect="1"/>
+          </p:cNvPicPr>
+          <p:nvPr/>
+        </p:nvPicPr>
+        <p:blipFill>
+          <a:blip r:embed="rId6"/>
+          <a:stretch>
+            <a:fillRect/>
+          </a:stretch>
+        </p:blipFill>
+        <p:spPr>
+          <a:xfrm>
+            <a:off x="3635896" y="1988840"/>
+            <a:ext cx="2552400" cy="1084313"/>
+          </a:xfrm>
+          <a:prstGeom prst="rect">
+            <a:avLst/>
+          </a:prstGeom>
         </p:spPr>
       </p:pic>
     </p:spTree>
